--- a/slides/6-Oct_13_2016.pptx
+++ b/slides/6-Oct_13_2016.pptx
@@ -78,8 +78,8 @@
     <p:sldId id="322" r:id="rId66"/>
     <p:sldId id="362" r:id="rId67"/>
     <p:sldId id="363" r:id="rId68"/>
-    <p:sldId id="323" r:id="rId69"/>
-    <p:sldId id="364" r:id="rId70"/>
+    <p:sldId id="364" r:id="rId69"/>
+    <p:sldId id="323" r:id="rId70"/>
   </p:sldIdLst>
   <p:sldSz cx="9144000" cy="6858000" type="screen4x3"/>
   <p:notesSz cx="6858000" cy="9144000"/>
@@ -293,7 +293,7 @@
           <a:p>
             <a:fld id="{A644FDEF-B9FC-BC4A-B8D0-04756C317030}" type="datetimeFigureOut">
               <a:rPr lang="en-US" smtClean="0"/>
-              <a:t>10/13/16</a:t>
+              <a:t>10/18/16</a:t>
             </a:fld>
             <a:endParaRPr lang="en-US"/>
           </a:p>
@@ -458,7 +458,7 @@
           <a:p>
             <a:fld id="{94520009-1937-7649-836F-8DD4D7338DEB}" type="datetimeFigureOut">
               <a:rPr lang="en-US" smtClean="0"/>
-              <a:t>10/13/16</a:t>
+              <a:t>10/18/16</a:t>
             </a:fld>
             <a:endParaRPr lang="en-US"/>
           </a:p>
@@ -5833,7 +5833,7 @@
               <a:defRPr/>
             </a:pPr>
             <a:r>
-              <a:rPr lang="en-US" sz="2800" dirty="0">
+              <a:rPr lang="en-US" sz="2800">
                 <a:solidFill>
                   <a:schemeClr val="bg1">
                     <a:lumMod val="50000"/>
@@ -5843,14 +5843,14 @@
               <a:t>Lecture </a:t>
             </a:r>
             <a:r>
-              <a:rPr lang="en-US" sz="2800" dirty="0" smtClean="0">
+              <a:rPr lang="en-US" sz="2800" smtClean="0">
                 <a:solidFill>
                   <a:schemeClr val="bg1">
                     <a:lumMod val="50000"/>
                   </a:schemeClr>
                 </a:solidFill>
               </a:rPr>
-              <a:t>4</a:t>
+              <a:t>6</a:t>
             </a:r>
             <a:endParaRPr lang="en-US" sz="2800" dirty="0">
               <a:solidFill>
@@ -7674,11 +7674,7 @@
             </a:pPr>
             <a:r>
               <a:rPr lang="en-US" sz="1600" dirty="0" smtClean="0"/>
-              <a:t> not sunny and </a:t>
-            </a:r>
-            <a:r>
-              <a:rPr lang="en-US" sz="1600" dirty="0" smtClean="0"/>
-              <a:t>colder</a:t>
+              <a:t> not sunny and colder</a:t>
             </a:r>
           </a:p>
           <a:p>
@@ -10097,6 +10093,13 @@
   <p:clrMapOvr>
     <a:masterClrMapping/>
   </p:clrMapOvr>
+  <p:timing>
+    <p:tnLst>
+      <p:par>
+        <p:cTn xmlns:p14="http://schemas.microsoft.com/office/powerpoint/2010/main" id="1" dur="indefinite" restart="never" nodeType="tmRoot"/>
+      </p:par>
+    </p:tnLst>
+  </p:timing>
 </p:sld>
 </file>
 
@@ -10157,11 +10160,7 @@
           <a:p>
             <a:r>
               <a:rPr lang="en-US" sz="2800" dirty="0" smtClean="0"/>
-              <a:t>EC1 (Constraint Satisfaction Problems) is graded and handed back to </a:t>
-            </a:r>
-            <a:r>
-              <a:rPr lang="en-US" sz="2800" dirty="0" smtClean="0"/>
-              <a:t>you</a:t>
+              <a:t>EC1 (Constraint Satisfaction Problems) is graded and handed back to you</a:t>
             </a:r>
           </a:p>
           <a:p>
@@ -11018,11 +11017,7 @@
           <a:p>
             <a:r>
               <a:rPr lang="en-US" dirty="0" smtClean="0"/>
-              <a:t>First Order </a:t>
-            </a:r>
-            <a:r>
-              <a:rPr lang="en-US" dirty="0" smtClean="0"/>
-              <a:t>Logic (FOL)</a:t>
+              <a:t>First Order Logic (FOL)</a:t>
             </a:r>
             <a:endParaRPr lang="en-US" dirty="0"/>
           </a:p>
@@ -16026,18 +16021,7 @@
                 <a:ea typeface="Helvetica"/>
                 <a:cs typeface="Helvetica"/>
               </a:rPr>
-              <a:t>	</a:t>
-            </a:r>
-            <a:r>
-              <a:rPr lang="en-US" sz="2400" dirty="0">
-                <a:solidFill>
-                  <a:srgbClr val="000000"/>
-                </a:solidFill>
-                <a:latin typeface="Helvetica"/>
-                <a:ea typeface="Helvetica"/>
-                <a:cs typeface="Helvetica"/>
-              </a:rPr>
-              <a:t>(Ax)(</a:t>
+              <a:t>	(Ax)(</a:t>
             </a:r>
             <a:r>
               <a:rPr lang="en-US" sz="2400" dirty="0" err="1">
@@ -22691,11 +22675,6 @@
               </a:rPr>
               <a:t>/Mother(John)}}</a:t>
             </a:r>
-            <a:endParaRPr lang="en-US" sz="2000" dirty="0">
-              <a:solidFill>
-                <a:srgbClr val="CC0099"/>
-              </a:solidFill>
-            </a:endParaRPr>
           </a:p>
           <a:p>
             <a:pPr>
@@ -23292,11 +23271,6 @@
               </a:rPr>
               <a:t>/Mother(John)}}</a:t>
             </a:r>
-            <a:endParaRPr lang="en-US" sz="2000" dirty="0">
-              <a:solidFill>
-                <a:srgbClr val="CC0099"/>
-              </a:solidFill>
-            </a:endParaRPr>
           </a:p>
           <a:p>
             <a:pPr>
@@ -23329,15 +23303,7 @@
                   <a:srgbClr val="CC0099"/>
                 </a:solidFill>
               </a:rPr>
-              <a:t>{fail}</a:t>
-            </a:r>
-            <a:r>
-              <a:rPr lang="en-US" sz="2000" dirty="0">
-                <a:solidFill>
-                  <a:srgbClr val="CC0099"/>
-                </a:solidFill>
-              </a:rPr>
-              <a:t>
+              <a:t>{fail}
 </a:t>
             </a:r>
             <a:endParaRPr lang="en-US" sz="1400" dirty="0">
@@ -27530,11 +27496,7 @@
             </a:r>
             <a:r>
               <a:rPr lang="en-US" sz="2400" dirty="0" smtClean="0"/>
-              <a:t>Control (Programming Logic</a:t>
-            </a:r>
-            <a:r>
-              <a:rPr lang="en-US" sz="2400" dirty="0" smtClean="0"/>
-              <a:t>)</a:t>
+              <a:t>Control (Programming Logic)</a:t>
             </a:r>
             <a:endParaRPr lang="en-US" sz="2400" dirty="0"/>
           </a:p>
@@ -27956,6 +27918,13 @@
   <p:clrMapOvr>
     <a:masterClrMapping/>
   </p:clrMapOvr>
+  <p:timing>
+    <p:tnLst>
+      <p:par>
+        <p:cTn xmlns:p14="http://schemas.microsoft.com/office/powerpoint/2010/main" id="1" dur="indefinite" restart="never" nodeType="tmRoot"/>
+      </p:par>
+    </p:tnLst>
+  </p:timing>
 </p:sld>
 </file>
 
@@ -28099,6 +28068,13 @@
   <p:clrMapOvr>
     <a:masterClrMapping/>
   </p:clrMapOvr>
+  <p:timing>
+    <p:tnLst>
+      <p:par>
+        <p:cTn xmlns:p14="http://schemas.microsoft.com/office/powerpoint/2010/main" id="1" dur="indefinite" restart="never" nodeType="tmRoot"/>
+      </p:par>
+    </p:tnLst>
+  </p:timing>
 </p:sld>
 </file>
 
@@ -28121,136 +28097,266 @@
       </p:grpSpPr>
       <p:sp>
         <p:nvSpPr>
-          <p:cNvPr id="40962" name="Rectangle 2"/>
+          <p:cNvPr id="2" name="Title 1"/>
           <p:cNvSpPr>
-            <a:spLocks noGrp="1" noChangeArrowheads="1"/>
+            <a:spLocks noGrp="1"/>
           </p:cNvSpPr>
           <p:nvPr>
             <p:ph type="title"/>
           </p:nvPr>
         </p:nvSpPr>
-        <p:spPr/>
+        <p:spPr>
+          <a:xfrm>
+            <a:off x="457200" y="274638"/>
+            <a:ext cx="8229600" cy="715962"/>
+          </a:xfrm>
+        </p:spPr>
         <p:txBody>
           <a:bodyPr/>
           <a:lstStyle/>
           <a:p>
             <a:r>
-              <a:rPr lang="en-US"/>
-              <a:t>Prolog</a:t>
-            </a:r>
+              <a:rPr lang="en-US" dirty="0" smtClean="0"/>
+              <a:t>Criminal Scenario in Prolog</a:t>
+            </a:r>
+            <a:endParaRPr lang="en-US" dirty="0"/>
           </a:p>
         </p:txBody>
       </p:sp>
       <p:sp>
         <p:nvSpPr>
-          <p:cNvPr id="40963" name="Rectangle 3"/>
+          <p:cNvPr id="3" name="Content Placeholder 2"/>
           <p:cNvSpPr>
-            <a:spLocks noGrp="1" noChangeArrowheads="1"/>
+            <a:spLocks noGrp="1"/>
           </p:cNvSpPr>
           <p:nvPr>
-            <p:ph type="body" idx="1"/>
+            <p:ph idx="1"/>
           </p:nvPr>
         </p:nvSpPr>
-        <p:spPr/>
+        <p:spPr>
+          <a:xfrm>
+            <a:off x="457200" y="1066800"/>
+            <a:ext cx="8229600" cy="5562600"/>
+          </a:xfrm>
+        </p:spPr>
         <p:txBody>
           <a:bodyPr/>
           <a:lstStyle/>
           <a:p>
-            <a:r>
-              <a:rPr lang="en-US" sz="2000" dirty="0"/>
-              <a:t>Appending two lists to produce a third:
-</a:t>
-            </a:r>
-          </a:p>
-          <a:p>
-            <a:pPr>
-              <a:buFontTx/>
+            <a:pPr marL="0" indent="0">
               <a:buNone/>
             </a:pPr>
             <a:r>
-              <a:rPr lang="en-US" sz="2000" dirty="0">
-                <a:latin typeface="Courier New" charset="0"/>
-              </a:rPr>
-              <a:t>		append([],Y,Y).                         </a:t>
-            </a:r>
-          </a:p>
-          <a:p>
-            <a:pPr>
-              <a:buFontTx/>
+              <a:rPr lang="en-US" sz="2000" dirty="0"/>
+              <a:t>% it is a crime to sell weapons to hostile nations:</a:t>
+            </a:r>
+          </a:p>
+          <a:p>
+            <a:pPr marL="0" indent="0">
               <a:buNone/>
             </a:pPr>
             <a:r>
-              <a:rPr lang="en-US" sz="2000" dirty="0">
-                <a:latin typeface="Courier New" charset="0"/>
-              </a:rPr>
-              <a:t>		append([X|L],Y,[X|Z]) :- append(L,Y,Z). 
-</a:t>
-            </a:r>
-          </a:p>
-          <a:p>
-            <a:r>
               <a:rPr lang="en-US" sz="2000" dirty="0"/>
-              <a:t>query:   	</a:t>
-            </a:r>
-            <a:r>
-              <a:rPr lang="en-US" sz="2000" dirty="0">
-                <a:latin typeface="Courier New" charset="0"/>
-              </a:rPr>
-              <a:t>append(A,B,[1,2]) ?</a:t>
+              <a:t>criminal(X):-</a:t>
+            </a:r>
+            <a:r>
+              <a:rPr lang="en-US" sz="2000" dirty="0" err="1"/>
+              <a:t>american</a:t>
             </a:r>
             <a:r>
               <a:rPr lang="en-US" sz="2000" dirty="0"/>
-              <a:t>            </a:t>
-            </a:r>
-          </a:p>
-          <a:p>
-            <a:endParaRPr lang="en-US" sz="2000" dirty="0"/>
-          </a:p>
-          <a:p>
-            <a:r>
-              <a:rPr lang="en-US" sz="2000" dirty="0"/>
-              <a:t>answers: 	</a:t>
-            </a:r>
-            <a:r>
-              <a:rPr lang="en-US" sz="2000" dirty="0">
-                <a:latin typeface="Courier New" charset="0"/>
-              </a:rPr>
-              <a:t>A=[]    B=[1,2]
-</a:t>
-            </a:r>
-          </a:p>
-          <a:p>
-            <a:pPr>
-              <a:buFontTx/>
+              <a:t>(X),weapon(Y),sells(X,Y,Z),hostile(Z).</a:t>
+            </a:r>
+          </a:p>
+          <a:p>
+            <a:pPr marL="0" indent="0">
               <a:buNone/>
             </a:pPr>
             <a:r>
-              <a:rPr lang="en-US" sz="2000" dirty="0">
-                <a:latin typeface="Courier New" charset="0"/>
-              </a:rPr>
-              <a:t>         	A=[1]   B=[2]
-</a:t>
-            </a:r>
-          </a:p>
-          <a:p>
-            <a:pPr>
-              <a:buFontTx/>
+              <a:rPr lang="en-US" sz="2000" dirty="0"/>
+              <a:t>% </a:t>
+            </a:r>
+            <a:r>
+              <a:rPr lang="en-US" sz="2000" dirty="0" err="1"/>
+              <a:t>Nono</a:t>
+            </a:r>
+            <a:r>
+              <a:rPr lang="en-US" sz="2000" dirty="0"/>
+              <a:t> ... has some missiles,</a:t>
+            </a:r>
+          </a:p>
+          <a:p>
+            <a:pPr marL="0" indent="0">
               <a:buNone/>
             </a:pPr>
             <a:r>
-              <a:rPr lang="en-US" sz="2000" dirty="0">
-                <a:latin typeface="Courier New" charset="0"/>
-              </a:rPr>
-              <a:t>         	A=[1,2] B=[]
-</a:t>
-            </a:r>
+              <a:rPr lang="en-US" sz="2000" dirty="0"/>
+              <a:t>owns(nono,m1).</a:t>
+            </a:r>
+          </a:p>
+          <a:p>
+            <a:pPr marL="0" indent="0">
+              <a:buNone/>
+            </a:pPr>
+            <a:r>
+              <a:rPr lang="en-US" sz="2000" dirty="0"/>
+              <a:t>missile(m1).</a:t>
+            </a:r>
+          </a:p>
+          <a:p>
+            <a:pPr marL="0" indent="0">
+              <a:buNone/>
+            </a:pPr>
+            <a:r>
+              <a:rPr lang="en-US" sz="2000" dirty="0"/>
+              <a:t>% all of its missiles were sold to it by Colonel West</a:t>
+            </a:r>
+          </a:p>
+          <a:p>
+            <a:pPr marL="0" indent="0">
+              <a:buNone/>
+            </a:pPr>
+            <a:r>
+              <a:rPr lang="en-US" sz="2000" dirty="0"/>
+              <a:t>sells(</a:t>
+            </a:r>
+            <a:r>
+              <a:rPr lang="en-US" sz="2000" dirty="0" err="1"/>
+              <a:t>west,X,nono</a:t>
+            </a:r>
+            <a:r>
+              <a:rPr lang="en-US" sz="2000" dirty="0"/>
+              <a:t>) :- missile(X), owns(</a:t>
+            </a:r>
+            <a:r>
+              <a:rPr lang="en-US" sz="2000" dirty="0" err="1"/>
+              <a:t>nono,X</a:t>
+            </a:r>
+            <a:r>
+              <a:rPr lang="en-US" sz="2000" dirty="0"/>
+              <a:t>).</a:t>
+            </a:r>
+          </a:p>
+          <a:p>
+            <a:pPr marL="0" indent="0">
+              <a:buNone/>
+            </a:pPr>
+            <a:r>
+              <a:rPr lang="en-US" sz="2000" dirty="0"/>
+              <a:t>% Missiles are weapons</a:t>
+            </a:r>
+          </a:p>
+          <a:p>
+            <a:pPr marL="0" indent="0">
+              <a:buNone/>
+            </a:pPr>
+            <a:r>
+              <a:rPr lang="en-US" sz="2000" dirty="0"/>
+              <a:t>weapon(X) :- missile(X).</a:t>
+            </a:r>
+          </a:p>
+          <a:p>
+            <a:pPr marL="0" indent="0">
+              <a:buNone/>
+            </a:pPr>
+            <a:r>
+              <a:rPr lang="en-US" sz="2000" dirty="0"/>
+              <a:t>% An enemy of America counts as ``hostile'':</a:t>
+            </a:r>
+          </a:p>
+          <a:p>
+            <a:pPr marL="0" indent="0">
+              <a:buNone/>
+            </a:pPr>
+            <a:r>
+              <a:rPr lang="en-US" sz="2000" dirty="0"/>
+              <a:t>hostile(X) :- enemy(</a:t>
+            </a:r>
+            <a:r>
+              <a:rPr lang="en-US" sz="2000" dirty="0" err="1"/>
+              <a:t>X,america</a:t>
+            </a:r>
+            <a:r>
+              <a:rPr lang="en-US" sz="2000" dirty="0"/>
+              <a:t>).</a:t>
+            </a:r>
+          </a:p>
+          <a:p>
+            <a:pPr marL="0" indent="0">
+              <a:buNone/>
+            </a:pPr>
+            <a:r>
+              <a:rPr lang="en-US" sz="2000" dirty="0"/>
+              <a:t>% The country </a:t>
+            </a:r>
+            <a:r>
+              <a:rPr lang="en-US" sz="2000" dirty="0" err="1"/>
+              <a:t>Nono</a:t>
+            </a:r>
+            <a:r>
+              <a:rPr lang="en-US" sz="2000" dirty="0"/>
+              <a:t>, an enemy of America ...</a:t>
+            </a:r>
+          </a:p>
+          <a:p>
+            <a:pPr marL="0" indent="0">
+              <a:buNone/>
+            </a:pPr>
+            <a:r>
+              <a:rPr lang="en-US" sz="2000" dirty="0"/>
+              <a:t>enemy(</a:t>
+            </a:r>
+            <a:r>
+              <a:rPr lang="en-US" sz="2000" dirty="0" err="1"/>
+              <a:t>nono,america</a:t>
+            </a:r>
+            <a:r>
+              <a:rPr lang="en-US" sz="2000" dirty="0"/>
+              <a:t>).</a:t>
+            </a:r>
+          </a:p>
+          <a:p>
+            <a:pPr marL="0" indent="0">
+              <a:buNone/>
+            </a:pPr>
+            <a:r>
+              <a:rPr lang="en-US" sz="2000" dirty="0"/>
+              <a:t>% West, who </a:t>
+            </a:r>
+            <a:r>
+              <a:rPr lang="en-US" sz="2000" dirty="0" smtClean="0"/>
+              <a:t>is American </a:t>
+            </a:r>
+            <a:r>
+              <a:rPr lang="en-US" sz="2000" dirty="0"/>
+              <a:t>...</a:t>
+            </a:r>
+          </a:p>
+          <a:p>
+            <a:pPr marL="0" indent="0">
+              <a:buNone/>
+            </a:pPr>
+            <a:r>
+              <a:rPr lang="en-US" sz="2000" dirty="0" err="1"/>
+              <a:t>american</a:t>
+            </a:r>
+            <a:r>
+              <a:rPr lang="en-US" sz="2000" dirty="0"/>
+              <a:t>(west).</a:t>
+            </a:r>
+          </a:p>
+          <a:p>
+            <a:pPr marL="0" indent="0">
+              <a:buNone/>
+            </a:pPr>
+            <a:endParaRPr lang="en-US" dirty="0"/>
           </a:p>
         </p:txBody>
       </p:sp>
     </p:spTree>
     <p:extLst>
       <p:ext uri="{BB962C8B-B14F-4D97-AF65-F5344CB8AC3E}">
-        <p14:creationId xmlns:p14="http://schemas.microsoft.com/office/powerpoint/2010/main" val="2692708232"/>
+        <p14:creationId xmlns:p14="http://schemas.microsoft.com/office/powerpoint/2010/main" val="1041646256"/>
       </p:ext>
     </p:extLst>
   </p:cSld>
@@ -28286,272 +28392,149 @@
       </p:grpSpPr>
       <p:sp>
         <p:nvSpPr>
-          <p:cNvPr id="2" name="Title 1"/>
+          <p:cNvPr id="40962" name="Rectangle 2"/>
           <p:cNvSpPr>
-            <a:spLocks noGrp="1"/>
+            <a:spLocks noGrp="1" noChangeArrowheads="1"/>
           </p:cNvSpPr>
           <p:nvPr>
             <p:ph type="title"/>
           </p:nvPr>
         </p:nvSpPr>
-        <p:spPr>
-          <a:xfrm>
-            <a:off x="457200" y="274638"/>
-            <a:ext cx="8229600" cy="715962"/>
-          </a:xfrm>
-        </p:spPr>
+        <p:spPr/>
         <p:txBody>
           <a:bodyPr/>
           <a:lstStyle/>
           <a:p>
             <a:r>
-              <a:rPr lang="en-US" dirty="0" smtClean="0"/>
-              <a:t>Criminal Scenario in Prolog</a:t>
-            </a:r>
-            <a:endParaRPr lang="en-US" dirty="0"/>
+              <a:rPr lang="en-US"/>
+              <a:t>Prolog</a:t>
+            </a:r>
           </a:p>
         </p:txBody>
       </p:sp>
       <p:sp>
         <p:nvSpPr>
-          <p:cNvPr id="3" name="Content Placeholder 2"/>
+          <p:cNvPr id="40963" name="Rectangle 3"/>
           <p:cNvSpPr>
-            <a:spLocks noGrp="1"/>
+            <a:spLocks noGrp="1" noChangeArrowheads="1"/>
           </p:cNvSpPr>
           <p:nvPr>
-            <p:ph idx="1"/>
+            <p:ph type="body" idx="1"/>
           </p:nvPr>
         </p:nvSpPr>
-        <p:spPr>
-          <a:xfrm>
-            <a:off x="457200" y="1066800"/>
-            <a:ext cx="8229600" cy="5562600"/>
-          </a:xfrm>
-        </p:spPr>
+        <p:spPr/>
         <p:txBody>
           <a:bodyPr/>
           <a:lstStyle/>
           <a:p>
-            <a:pPr marL="0" indent="0">
+            <a:r>
+              <a:rPr lang="en-US" sz="2000" dirty="0"/>
+              <a:t>Appending two lists to produce a third:
+</a:t>
+            </a:r>
+          </a:p>
+          <a:p>
+            <a:pPr>
+              <a:buFontTx/>
               <a:buNone/>
             </a:pPr>
             <a:r>
-              <a:rPr lang="en-US" sz="2000" dirty="0"/>
-              <a:t>% it is a crime to sell weapons to hostile nations:</a:t>
-            </a:r>
-          </a:p>
-          <a:p>
-            <a:pPr marL="0" indent="0">
+              <a:rPr lang="en-US" sz="2000" dirty="0">
+                <a:latin typeface="Courier New" charset="0"/>
+              </a:rPr>
+              <a:t>		append([],Y,Y).                         </a:t>
+            </a:r>
+          </a:p>
+          <a:p>
+            <a:pPr>
+              <a:buFontTx/>
               <a:buNone/>
             </a:pPr>
             <a:r>
+              <a:rPr lang="en-US" sz="2000" dirty="0">
+                <a:latin typeface="Courier New" charset="0"/>
+              </a:rPr>
+              <a:t>		append([X|L],Y,[X|Z]) :- append(L,Y,Z). 
+</a:t>
+            </a:r>
+          </a:p>
+          <a:p>
+            <a:r>
               <a:rPr lang="en-US" sz="2000" dirty="0"/>
-              <a:t>criminal(X):-</a:t>
-            </a:r>
-            <a:r>
-              <a:rPr lang="en-US" sz="2000" dirty="0" err="1"/>
-              <a:t>american</a:t>
+              <a:t>query:   	</a:t>
+            </a:r>
+            <a:r>
+              <a:rPr lang="en-US" sz="2000" dirty="0">
+                <a:latin typeface="Courier New" charset="0"/>
+              </a:rPr>
+              <a:t>append(A,B,[1,2]) ?</a:t>
             </a:r>
             <a:r>
               <a:rPr lang="en-US" sz="2000" dirty="0"/>
-              <a:t>(X),weapon(Y),sells(X,Y,Z),hostile(Z).</a:t>
-            </a:r>
-          </a:p>
-          <a:p>
-            <a:pPr marL="0" indent="0">
+              <a:t>            </a:t>
+            </a:r>
+          </a:p>
+          <a:p>
+            <a:endParaRPr lang="en-US" sz="2000" dirty="0"/>
+          </a:p>
+          <a:p>
+            <a:r>
+              <a:rPr lang="en-US" sz="2000" dirty="0"/>
+              <a:t>answers: 	</a:t>
+            </a:r>
+            <a:r>
+              <a:rPr lang="en-US" sz="2000" dirty="0">
+                <a:latin typeface="Courier New" charset="0"/>
+              </a:rPr>
+              <a:t>A=[]    B=[1,2]
+</a:t>
+            </a:r>
+          </a:p>
+          <a:p>
+            <a:pPr>
+              <a:buFontTx/>
               <a:buNone/>
             </a:pPr>
             <a:r>
-              <a:rPr lang="en-US" sz="2000" dirty="0"/>
-              <a:t>% </a:t>
-            </a:r>
-            <a:r>
-              <a:rPr lang="en-US" sz="2000" dirty="0" err="1"/>
-              <a:t>Nono</a:t>
-            </a:r>
-            <a:r>
-              <a:rPr lang="en-US" sz="2000" dirty="0"/>
-              <a:t> ... has some missiles,</a:t>
-            </a:r>
-          </a:p>
-          <a:p>
-            <a:pPr marL="0" indent="0">
+              <a:rPr lang="en-US" sz="2000" dirty="0">
+                <a:latin typeface="Courier New" charset="0"/>
+              </a:rPr>
+              <a:t>         	A=[1]   B=[2]
+</a:t>
+            </a:r>
+          </a:p>
+          <a:p>
+            <a:pPr>
+              <a:buFontTx/>
               <a:buNone/>
             </a:pPr>
             <a:r>
-              <a:rPr lang="en-US" sz="2000" dirty="0"/>
-              <a:t>owns(nono,m1).</a:t>
-            </a:r>
-          </a:p>
-          <a:p>
-            <a:pPr marL="0" indent="0">
-              <a:buNone/>
-            </a:pPr>
-            <a:r>
-              <a:rPr lang="en-US" sz="2000" dirty="0"/>
-              <a:t>missile(m1).</a:t>
-            </a:r>
-          </a:p>
-          <a:p>
-            <a:pPr marL="0" indent="0">
-              <a:buNone/>
-            </a:pPr>
-            <a:r>
-              <a:rPr lang="en-US" sz="2000" dirty="0"/>
-              <a:t>% all of its missiles were sold to it by Colonel West</a:t>
-            </a:r>
-          </a:p>
-          <a:p>
-            <a:pPr marL="0" indent="0">
-              <a:buNone/>
-            </a:pPr>
-            <a:r>
-              <a:rPr lang="en-US" sz="2000" dirty="0"/>
-              <a:t>sells(</a:t>
-            </a:r>
-            <a:r>
-              <a:rPr lang="en-US" sz="2000" dirty="0" err="1"/>
-              <a:t>west,X,nono</a:t>
-            </a:r>
-            <a:r>
-              <a:rPr lang="en-US" sz="2000" dirty="0"/>
-              <a:t>) :- missile(X), owns(</a:t>
-            </a:r>
-            <a:r>
-              <a:rPr lang="en-US" sz="2000" dirty="0" err="1"/>
-              <a:t>nono,X</a:t>
-            </a:r>
-            <a:r>
-              <a:rPr lang="en-US" sz="2000" dirty="0"/>
-              <a:t>).</a:t>
-            </a:r>
-          </a:p>
-          <a:p>
-            <a:pPr marL="0" indent="0">
-              <a:buNone/>
-            </a:pPr>
-            <a:r>
-              <a:rPr lang="en-US" sz="2000" dirty="0"/>
-              <a:t>% Missiles are weapons</a:t>
-            </a:r>
-          </a:p>
-          <a:p>
-            <a:pPr marL="0" indent="0">
-              <a:buNone/>
-            </a:pPr>
-            <a:r>
-              <a:rPr lang="en-US" sz="2000" dirty="0"/>
-              <a:t>weapon(X) :- missile(X).</a:t>
-            </a:r>
-          </a:p>
-          <a:p>
-            <a:pPr marL="0" indent="0">
-              <a:buNone/>
-            </a:pPr>
-            <a:r>
-              <a:rPr lang="en-US" sz="2000" dirty="0"/>
-              <a:t>% An enemy of America counts as ``hostile'':</a:t>
-            </a:r>
-          </a:p>
-          <a:p>
-            <a:pPr marL="0" indent="0">
-              <a:buNone/>
-            </a:pPr>
-            <a:r>
-              <a:rPr lang="en-US" sz="2000" dirty="0"/>
-              <a:t>hostile(X) :- enemy(</a:t>
-            </a:r>
-            <a:r>
-              <a:rPr lang="en-US" sz="2000" dirty="0" err="1"/>
-              <a:t>X,america</a:t>
-            </a:r>
-            <a:r>
-              <a:rPr lang="en-US" sz="2000" dirty="0"/>
-              <a:t>).</a:t>
-            </a:r>
-          </a:p>
-          <a:p>
-            <a:pPr marL="0" indent="0">
-              <a:buNone/>
-            </a:pPr>
-            <a:r>
-              <a:rPr lang="en-US" sz="2000" dirty="0"/>
-              <a:t>% The country </a:t>
-            </a:r>
-            <a:r>
-              <a:rPr lang="en-US" sz="2000" dirty="0" err="1"/>
-              <a:t>Nono</a:t>
-            </a:r>
-            <a:r>
-              <a:rPr lang="en-US" sz="2000" dirty="0"/>
-              <a:t>, an enemy of America ...</a:t>
-            </a:r>
-          </a:p>
-          <a:p>
-            <a:pPr marL="0" indent="0">
-              <a:buNone/>
-            </a:pPr>
-            <a:r>
-              <a:rPr lang="en-US" sz="2000" dirty="0"/>
-              <a:t>enemy(</a:t>
-            </a:r>
-            <a:r>
-              <a:rPr lang="en-US" sz="2000" dirty="0" err="1"/>
-              <a:t>nono,america</a:t>
-            </a:r>
-            <a:r>
-              <a:rPr lang="en-US" sz="2000" dirty="0"/>
-              <a:t>).</a:t>
-            </a:r>
-          </a:p>
-          <a:p>
-            <a:pPr marL="0" indent="0">
-              <a:buNone/>
-            </a:pPr>
-            <a:r>
-              <a:rPr lang="en-US" sz="2000" dirty="0"/>
-              <a:t>% West, who </a:t>
-            </a:r>
-            <a:r>
-              <a:rPr lang="en-US" sz="2000" dirty="0" smtClean="0"/>
-              <a:t>is American </a:t>
-            </a:r>
-            <a:r>
-              <a:rPr lang="en-US" sz="2000" dirty="0"/>
-              <a:t>...</a:t>
-            </a:r>
-          </a:p>
-          <a:p>
-            <a:pPr marL="0" indent="0">
-              <a:buNone/>
-            </a:pPr>
-            <a:r>
-              <a:rPr lang="en-US" sz="2000" dirty="0" err="1"/>
-              <a:t>american</a:t>
-            </a:r>
-            <a:r>
-              <a:rPr lang="en-US" sz="2000" dirty="0"/>
-              <a:t>(west).</a:t>
-            </a:r>
-          </a:p>
-          <a:p>
-            <a:pPr marL="0" indent="0">
-              <a:buNone/>
-            </a:pPr>
-            <a:endParaRPr lang="en-US" dirty="0"/>
+              <a:rPr lang="en-US" sz="2000" dirty="0">
+                <a:latin typeface="Courier New" charset="0"/>
+              </a:rPr>
+              <a:t>         	A=[1,2] B=[]
+</a:t>
+            </a:r>
           </a:p>
         </p:txBody>
       </p:sp>
     </p:spTree>
     <p:extLst>
       <p:ext uri="{BB962C8B-B14F-4D97-AF65-F5344CB8AC3E}">
-        <p14:creationId xmlns:p14="http://schemas.microsoft.com/office/powerpoint/2010/main" val="1041646256"/>
+        <p14:creationId xmlns:p14="http://schemas.microsoft.com/office/powerpoint/2010/main" val="2692708232"/>
       </p:ext>
     </p:extLst>
   </p:cSld>
   <p:clrMapOvr>
     <a:masterClrMapping/>
   </p:clrMapOvr>
+  <p:timing>
+    <p:tnLst>
+      <p:par>
+        <p:cTn xmlns:p14="http://schemas.microsoft.com/office/powerpoint/2010/main" id="1" dur="indefinite" restart="never" nodeType="tmRoot"/>
+      </p:par>
+    </p:tnLst>
+  </p:timing>
 </p:sld>
 </file>
 
